--- a/images/03/gui.pptx
+++ b/images/03/gui.pptx
@@ -104,6 +104,11 @@
       </a:defRPr>
     </a:lvl9pPr>
   </p:defaultTextStyle>
+  <p:extLst>
+    <p:ext uri="{EFAFB233-063F-42B5-8137-9DF3F51BA10A}">
+      <p15:sldGuideLst xmlns:p15="http://schemas.microsoft.com/office/powerpoint/2012/main"/>
+    </p:ext>
+  </p:extLst>
 </p:presentation>
 </file>
 
@@ -238,7 +243,7 @@
           <a:p>
             <a:fld id="{946A930F-3F55-4B23-857C-55C0D50CB367}" type="datetimeFigureOut">
               <a:rPr lang="fr-FR" smtClean="0"/>
-              <a:t>20/07/2018</a:t>
+              <a:t>02/08/2018</a:t>
             </a:fld>
             <a:endParaRPr lang="fr-FR"/>
           </a:p>
@@ -408,7 +413,7 @@
           <a:p>
             <a:fld id="{946A930F-3F55-4B23-857C-55C0D50CB367}" type="datetimeFigureOut">
               <a:rPr lang="fr-FR" smtClean="0"/>
-              <a:t>20/07/2018</a:t>
+              <a:t>02/08/2018</a:t>
             </a:fld>
             <a:endParaRPr lang="fr-FR"/>
           </a:p>
@@ -588,7 +593,7 @@
           <a:p>
             <a:fld id="{946A930F-3F55-4B23-857C-55C0D50CB367}" type="datetimeFigureOut">
               <a:rPr lang="fr-FR" smtClean="0"/>
-              <a:t>20/07/2018</a:t>
+              <a:t>02/08/2018</a:t>
             </a:fld>
             <a:endParaRPr lang="fr-FR"/>
           </a:p>
@@ -758,7 +763,7 @@
           <a:p>
             <a:fld id="{946A930F-3F55-4B23-857C-55C0D50CB367}" type="datetimeFigureOut">
               <a:rPr lang="fr-FR" smtClean="0"/>
-              <a:t>20/07/2018</a:t>
+              <a:t>02/08/2018</a:t>
             </a:fld>
             <a:endParaRPr lang="fr-FR"/>
           </a:p>
@@ -1004,7 +1009,7 @@
           <a:p>
             <a:fld id="{946A930F-3F55-4B23-857C-55C0D50CB367}" type="datetimeFigureOut">
               <a:rPr lang="fr-FR" smtClean="0"/>
-              <a:t>20/07/2018</a:t>
+              <a:t>02/08/2018</a:t>
             </a:fld>
             <a:endParaRPr lang="fr-FR"/>
           </a:p>
@@ -1236,7 +1241,7 @@
           <a:p>
             <a:fld id="{946A930F-3F55-4B23-857C-55C0D50CB367}" type="datetimeFigureOut">
               <a:rPr lang="fr-FR" smtClean="0"/>
-              <a:t>20/07/2018</a:t>
+              <a:t>02/08/2018</a:t>
             </a:fld>
             <a:endParaRPr lang="fr-FR"/>
           </a:p>
@@ -1603,7 +1608,7 @@
           <a:p>
             <a:fld id="{946A930F-3F55-4B23-857C-55C0D50CB367}" type="datetimeFigureOut">
               <a:rPr lang="fr-FR" smtClean="0"/>
-              <a:t>20/07/2018</a:t>
+              <a:t>02/08/2018</a:t>
             </a:fld>
             <a:endParaRPr lang="fr-FR"/>
           </a:p>
@@ -1721,7 +1726,7 @@
           <a:p>
             <a:fld id="{946A930F-3F55-4B23-857C-55C0D50CB367}" type="datetimeFigureOut">
               <a:rPr lang="fr-FR" smtClean="0"/>
-              <a:t>20/07/2018</a:t>
+              <a:t>02/08/2018</a:t>
             </a:fld>
             <a:endParaRPr lang="fr-FR"/>
           </a:p>
@@ -1816,7 +1821,7 @@
           <a:p>
             <a:fld id="{946A930F-3F55-4B23-857C-55C0D50CB367}" type="datetimeFigureOut">
               <a:rPr lang="fr-FR" smtClean="0"/>
-              <a:t>20/07/2018</a:t>
+              <a:t>02/08/2018</a:t>
             </a:fld>
             <a:endParaRPr lang="fr-FR"/>
           </a:p>
@@ -2093,7 +2098,7 @@
           <a:p>
             <a:fld id="{946A930F-3F55-4B23-857C-55C0D50CB367}" type="datetimeFigureOut">
               <a:rPr lang="fr-FR" smtClean="0"/>
-              <a:t>20/07/2018</a:t>
+              <a:t>02/08/2018</a:t>
             </a:fld>
             <a:endParaRPr lang="fr-FR"/>
           </a:p>
@@ -2346,7 +2351,7 @@
           <a:p>
             <a:fld id="{946A930F-3F55-4B23-857C-55C0D50CB367}" type="datetimeFigureOut">
               <a:rPr lang="fr-FR" smtClean="0"/>
-              <a:t>20/07/2018</a:t>
+              <a:t>02/08/2018</a:t>
             </a:fld>
             <a:endParaRPr lang="fr-FR"/>
           </a:p>
@@ -2559,7 +2564,7 @@
           <a:p>
             <a:fld id="{946A930F-3F55-4B23-857C-55C0D50CB367}" type="datetimeFigureOut">
               <a:rPr lang="fr-FR" smtClean="0"/>
-              <a:t>20/07/2018</a:t>
+              <a:t>02/08/2018</a:t>
             </a:fld>
             <a:endParaRPr lang="fr-FR"/>
           </a:p>
@@ -2966,13 +2971,13 @@
       </p:grpSpPr>
       <p:pic>
         <p:nvPicPr>
-          <p:cNvPr id="4" name="Image 3"/>
+          <p:cNvPr id="2" name="Image 1"/>
           <p:cNvPicPr>
             <a:picLocks noChangeAspect="1"/>
           </p:cNvPicPr>
           <p:nvPr/>
         </p:nvPicPr>
-        <p:blipFill rotWithShape="1">
+        <p:blipFill>
           <a:blip r:embed="rId2">
             <a:extLst>
               <a:ext uri="{28A0092B-C50C-407E-A947-70E740481C1C}">
@@ -2980,13 +2985,14 @@
               </a:ext>
             </a:extLst>
           </a:blip>
-          <a:srcRect l="891" t="866" r="-159" b="2156"/>
-          <a:stretch/>
+          <a:stretch>
+            <a:fillRect/>
+          </a:stretch>
         </p:blipFill>
         <p:spPr>
           <a:xfrm>
-            <a:off x="2019631" y="1327868"/>
-            <a:ext cx="6729718" cy="4890054"/>
+            <a:off x="1766139" y="1118488"/>
+            <a:ext cx="7218397" cy="5302900"/>
           </a:xfrm>
           <a:prstGeom prst="rect">
             <a:avLst/>
@@ -3468,7 +3474,7 @@
         <p:spPr>
           <a:xfrm>
             <a:off x="4244567" y="1892271"/>
-            <a:ext cx="879211" cy="256255"/>
+            <a:ext cx="1583064" cy="256255"/>
           </a:xfrm>
           <a:prstGeom prst="rect">
             <a:avLst/>

--- a/images/03/gui.pptx
+++ b/images/03/gui.pptx
@@ -3138,7 +3138,7 @@
         </p:nvSpPr>
         <p:spPr>
           <a:xfrm>
-            <a:off x="92762" y="1923938"/>
+            <a:off x="929675" y="1847057"/>
             <a:ext cx="939937" cy="646331"/>
           </a:xfrm>
           <a:prstGeom prst="rect">
@@ -3182,8 +3182,8 @@
         </p:nvCxnSpPr>
         <p:spPr>
           <a:xfrm>
-            <a:off x="562731" y="2570269"/>
-            <a:ext cx="1552455" cy="822636"/>
+            <a:off x="1399644" y="2493388"/>
+            <a:ext cx="715542" cy="453492"/>
           </a:xfrm>
           <a:prstGeom prst="straightConnector1">
             <a:avLst/>
@@ -3521,8 +3521,8 @@
         </p:nvSpPr>
         <p:spPr>
           <a:xfrm>
-            <a:off x="7082589" y="341830"/>
-            <a:ext cx="2167119" cy="646331"/>
+            <a:off x="9214068" y="930551"/>
+            <a:ext cx="1227496" cy="1200329"/>
           </a:xfrm>
           <a:prstGeom prst="rect">
             <a:avLst/>
@@ -3571,14 +3571,14 @@
         <p:nvCxnSpPr>
           <p:cNvPr id="22" name="Connecteur droit avec flèche 21"/>
           <p:cNvCxnSpPr>
-            <a:stCxn id="21" idx="2"/>
+            <a:stCxn id="21" idx="1"/>
           </p:cNvCxnSpPr>
           <p:nvPr/>
         </p:nvCxnSpPr>
         <p:spPr>
-          <a:xfrm>
-            <a:off x="8166149" y="988161"/>
-            <a:ext cx="55440" cy="904110"/>
+          <a:xfrm flipH="1">
+            <a:off x="8626462" y="1530716"/>
+            <a:ext cx="587606" cy="507752"/>
           </a:xfrm>
           <a:prstGeom prst="straightConnector1">
             <a:avLst/>
@@ -3659,8 +3659,8 @@
         </p:nvSpPr>
         <p:spPr>
           <a:xfrm>
-            <a:off x="9476097" y="1383262"/>
-            <a:ext cx="2441194" cy="1200329"/>
+            <a:off x="8924759" y="2320507"/>
+            <a:ext cx="1591203" cy="1754326"/>
           </a:xfrm>
           <a:prstGeom prst="rect">
             <a:avLst/>
@@ -3750,8 +3750,8 @@
         </p:nvCxnSpPr>
         <p:spPr>
           <a:xfrm flipH="1">
-            <a:off x="8583890" y="2583591"/>
-            <a:ext cx="2112804" cy="873483"/>
+            <a:off x="8626462" y="4074833"/>
+            <a:ext cx="1093899" cy="412227"/>
           </a:xfrm>
           <a:prstGeom prst="straightConnector1">
             <a:avLst/>
@@ -3832,8 +3832,8 @@
         </p:nvSpPr>
         <p:spPr>
           <a:xfrm>
-            <a:off x="318672" y="4480694"/>
-            <a:ext cx="1532471" cy="646331"/>
+            <a:off x="790832" y="4414790"/>
+            <a:ext cx="1060311" cy="923330"/>
           </a:xfrm>
           <a:prstGeom prst="rect">
             <a:avLst/>
@@ -3846,7 +3846,7 @@
           </a:ln>
         </p:spPr>
         <p:txBody>
-          <a:bodyPr wrap="none" rtlCol="0">
+          <a:bodyPr wrap="square" rtlCol="0">
             <a:spAutoFit/>
           </a:bodyPr>
           <a:lstStyle/>
@@ -3876,8 +3876,8 @@
         </p:nvCxnSpPr>
         <p:spPr>
           <a:xfrm>
-            <a:off x="1084908" y="5127025"/>
-            <a:ext cx="998194" cy="728343"/>
+            <a:off x="1320988" y="5338120"/>
+            <a:ext cx="762114" cy="451344"/>
           </a:xfrm>
           <a:prstGeom prst="straightConnector1">
             <a:avLst/>
@@ -4029,6 +4029,104 @@
           </a:fontRef>
         </p:style>
       </p:cxnSp>
+      <p:sp>
+        <p:nvSpPr>
+          <p:cNvPr id="30" name="Flèche droite à entaille 29"/>
+          <p:cNvSpPr/>
+          <p:nvPr/>
+        </p:nvSpPr>
+        <p:spPr>
+          <a:xfrm rot="7506963">
+            <a:off x="5158424" y="1644293"/>
+            <a:ext cx="2510986" cy="736167"/>
+          </a:xfrm>
+          <a:prstGeom prst="notchedRightArrow">
+            <a:avLst/>
+          </a:prstGeom>
+        </p:spPr>
+        <p:style>
+          <a:lnRef idx="0">
+            <a:schemeClr val="accent2"/>
+          </a:lnRef>
+          <a:fillRef idx="3">
+            <a:schemeClr val="accent2"/>
+          </a:fillRef>
+          <a:effectRef idx="3">
+            <a:schemeClr val="accent2"/>
+          </a:effectRef>
+          <a:fontRef idx="minor">
+            <a:schemeClr val="lt1"/>
+          </a:fontRef>
+        </p:style>
+        <p:txBody>
+          <a:bodyPr rtlCol="0" anchor="ctr"/>
+          <a:lstStyle/>
+          <a:p>
+            <a:pPr algn="ctr"/>
+            <a:endParaRPr lang="fr-FR"/>
+          </a:p>
+        </p:txBody>
+      </p:sp>
+      <p:pic>
+        <p:nvPicPr>
+          <p:cNvPr id="40" name="Image 39"/>
+          <p:cNvPicPr>
+            <a:picLocks noChangeAspect="1"/>
+          </p:cNvPicPr>
+          <p:nvPr/>
+        </p:nvPicPr>
+        <p:blipFill>
+          <a:blip r:embed="rId3" cstate="print">
+            <a:extLst>
+              <a:ext uri="{28A0092B-C50C-407E-A947-70E740481C1C}">
+                <a14:useLocalDpi xmlns:a14="http://schemas.microsoft.com/office/drawing/2010/main" val="0"/>
+              </a:ext>
+            </a:extLst>
+          </a:blip>
+          <a:stretch>
+            <a:fillRect/>
+          </a:stretch>
+        </p:blipFill>
+        <p:spPr>
+          <a:xfrm>
+            <a:off x="6573357" y="244578"/>
+            <a:ext cx="1034685" cy="1034685"/>
+          </a:xfrm>
+          <a:prstGeom prst="rect">
+            <a:avLst/>
+          </a:prstGeom>
+        </p:spPr>
+      </p:pic>
+      <p:sp>
+        <p:nvSpPr>
+          <p:cNvPr id="42" name="ZoneTexte 41"/>
+          <p:cNvSpPr txBox="1"/>
+          <p:nvPr/>
+        </p:nvSpPr>
+        <p:spPr>
+          <a:xfrm>
+            <a:off x="7636538" y="312070"/>
+            <a:ext cx="1990930" cy="523220"/>
+          </a:xfrm>
+          <a:prstGeom prst="rect">
+            <a:avLst/>
+          </a:prstGeom>
+          <a:noFill/>
+        </p:spPr>
+        <p:txBody>
+          <a:bodyPr wrap="none" rtlCol="0">
+            <a:spAutoFit/>
+          </a:bodyPr>
+          <a:lstStyle/>
+          <a:p>
+            <a:r>
+              <a:rPr lang="fr-FR" sz="2800" dirty="0" smtClean="0"/>
+              <a:t>Drag &amp; Drop</a:t>
+            </a:r>
+            <a:endParaRPr lang="fr-FR" sz="2800" dirty="0"/>
+          </a:p>
+        </p:txBody>
+      </p:sp>
     </p:spTree>
     <p:extLst>
       <p:ext uri="{BB962C8B-B14F-4D97-AF65-F5344CB8AC3E}">

--- a/images/03/gui.pptx
+++ b/images/03/gui.pptx
@@ -6,6 +6,7 @@
   </p:sldMasterIdLst>
   <p:sldIdLst>
     <p:sldId id="256" r:id="rId2"/>
+    <p:sldId id="257" r:id="rId3"/>
   </p:sldIdLst>
   <p:sldSz cx="12192000" cy="6858000"/>
   <p:notesSz cx="6858000" cy="9144000"/>
@@ -243,7 +244,7 @@
           <a:p>
             <a:fld id="{946A930F-3F55-4B23-857C-55C0D50CB367}" type="datetimeFigureOut">
               <a:rPr lang="fr-FR" smtClean="0"/>
-              <a:t>02/08/2018</a:t>
+              <a:t>04/10/2018</a:t>
             </a:fld>
             <a:endParaRPr lang="fr-FR"/>
           </a:p>
@@ -413,7 +414,7 @@
           <a:p>
             <a:fld id="{946A930F-3F55-4B23-857C-55C0D50CB367}" type="datetimeFigureOut">
               <a:rPr lang="fr-FR" smtClean="0"/>
-              <a:t>02/08/2018</a:t>
+              <a:t>04/10/2018</a:t>
             </a:fld>
             <a:endParaRPr lang="fr-FR"/>
           </a:p>
@@ -593,7 +594,7 @@
           <a:p>
             <a:fld id="{946A930F-3F55-4B23-857C-55C0D50CB367}" type="datetimeFigureOut">
               <a:rPr lang="fr-FR" smtClean="0"/>
-              <a:t>02/08/2018</a:t>
+              <a:t>04/10/2018</a:t>
             </a:fld>
             <a:endParaRPr lang="fr-FR"/>
           </a:p>
@@ -763,7 +764,7 @@
           <a:p>
             <a:fld id="{946A930F-3F55-4B23-857C-55C0D50CB367}" type="datetimeFigureOut">
               <a:rPr lang="fr-FR" smtClean="0"/>
-              <a:t>02/08/2018</a:t>
+              <a:t>04/10/2018</a:t>
             </a:fld>
             <a:endParaRPr lang="fr-FR"/>
           </a:p>
@@ -1009,7 +1010,7 @@
           <a:p>
             <a:fld id="{946A930F-3F55-4B23-857C-55C0D50CB367}" type="datetimeFigureOut">
               <a:rPr lang="fr-FR" smtClean="0"/>
-              <a:t>02/08/2018</a:t>
+              <a:t>04/10/2018</a:t>
             </a:fld>
             <a:endParaRPr lang="fr-FR"/>
           </a:p>
@@ -1241,7 +1242,7 @@
           <a:p>
             <a:fld id="{946A930F-3F55-4B23-857C-55C0D50CB367}" type="datetimeFigureOut">
               <a:rPr lang="fr-FR" smtClean="0"/>
-              <a:t>02/08/2018</a:t>
+              <a:t>04/10/2018</a:t>
             </a:fld>
             <a:endParaRPr lang="fr-FR"/>
           </a:p>
@@ -1608,7 +1609,7 @@
           <a:p>
             <a:fld id="{946A930F-3F55-4B23-857C-55C0D50CB367}" type="datetimeFigureOut">
               <a:rPr lang="fr-FR" smtClean="0"/>
-              <a:t>02/08/2018</a:t>
+              <a:t>04/10/2018</a:t>
             </a:fld>
             <a:endParaRPr lang="fr-FR"/>
           </a:p>
@@ -1726,7 +1727,7 @@
           <a:p>
             <a:fld id="{946A930F-3F55-4B23-857C-55C0D50CB367}" type="datetimeFigureOut">
               <a:rPr lang="fr-FR" smtClean="0"/>
-              <a:t>02/08/2018</a:t>
+              <a:t>04/10/2018</a:t>
             </a:fld>
             <a:endParaRPr lang="fr-FR"/>
           </a:p>
@@ -1821,7 +1822,7 @@
           <a:p>
             <a:fld id="{946A930F-3F55-4B23-857C-55C0D50CB367}" type="datetimeFigureOut">
               <a:rPr lang="fr-FR" smtClean="0"/>
-              <a:t>02/08/2018</a:t>
+              <a:t>04/10/2018</a:t>
             </a:fld>
             <a:endParaRPr lang="fr-FR"/>
           </a:p>
@@ -2098,7 +2099,7 @@
           <a:p>
             <a:fld id="{946A930F-3F55-4B23-857C-55C0D50CB367}" type="datetimeFigureOut">
               <a:rPr lang="fr-FR" smtClean="0"/>
-              <a:t>02/08/2018</a:t>
+              <a:t>04/10/2018</a:t>
             </a:fld>
             <a:endParaRPr lang="fr-FR"/>
           </a:p>
@@ -2351,7 +2352,7 @@
           <a:p>
             <a:fld id="{946A930F-3F55-4B23-857C-55C0D50CB367}" type="datetimeFigureOut">
               <a:rPr lang="fr-FR" smtClean="0"/>
-              <a:t>02/08/2018</a:t>
+              <a:t>04/10/2018</a:t>
             </a:fld>
             <a:endParaRPr lang="fr-FR"/>
           </a:p>
@@ -2564,7 +2565,7 @@
           <a:p>
             <a:fld id="{946A930F-3F55-4B23-857C-55C0D50CB367}" type="datetimeFigureOut">
               <a:rPr lang="fr-FR" smtClean="0"/>
-              <a:t>02/08/2018</a:t>
+              <a:t>04/10/2018</a:t>
             </a:fld>
             <a:endParaRPr lang="fr-FR"/>
           </a:p>
@@ -4140,6 +4141,174 @@
 </p:sld>
 </file>
 
+<file path=ppt/slides/slide2.xml><?xml version="1.0" encoding="utf-8"?>
+<p:sld xmlns:a="http://schemas.openxmlformats.org/drawingml/2006/main" xmlns:r="http://schemas.openxmlformats.org/officeDocument/2006/relationships" xmlns:p="http://schemas.openxmlformats.org/presentationml/2006/main">
+  <p:cSld>
+    <p:spTree>
+      <p:nvGrpSpPr>
+        <p:cNvPr id="1" name=""/>
+        <p:cNvGrpSpPr/>
+        <p:nvPr/>
+      </p:nvGrpSpPr>
+      <p:grpSpPr>
+        <a:xfrm>
+          <a:off x="0" y="0"/>
+          <a:ext cx="0" cy="0"/>
+          <a:chOff x="0" y="0"/>
+          <a:chExt cx="0" cy="0"/>
+        </a:xfrm>
+      </p:grpSpPr>
+      <p:pic>
+        <p:nvPicPr>
+          <p:cNvPr id="2" name="Image 1"/>
+          <p:cNvPicPr>
+            <a:picLocks noChangeAspect="1"/>
+          </p:cNvPicPr>
+          <p:nvPr/>
+        </p:nvPicPr>
+        <p:blipFill>
+          <a:blip r:embed="rId2">
+            <a:extLst>
+              <a:ext uri="{28A0092B-C50C-407E-A947-70E740481C1C}">
+                <a14:useLocalDpi xmlns:a14="http://schemas.microsoft.com/office/drawing/2010/main" val="0"/>
+              </a:ext>
+            </a:extLst>
+          </a:blip>
+          <a:stretch>
+            <a:fillRect/>
+          </a:stretch>
+        </p:blipFill>
+        <p:spPr>
+          <a:xfrm>
+            <a:off x="1766139" y="1118488"/>
+            <a:ext cx="7218397" cy="5302900"/>
+          </a:xfrm>
+          <a:prstGeom prst="rect">
+            <a:avLst/>
+          </a:prstGeom>
+        </p:spPr>
+      </p:pic>
+      <p:sp>
+        <p:nvSpPr>
+          <p:cNvPr id="30" name="Flèche droite à entaille 29"/>
+          <p:cNvSpPr/>
+          <p:nvPr/>
+        </p:nvSpPr>
+        <p:spPr>
+          <a:xfrm rot="7506963">
+            <a:off x="5158424" y="1644293"/>
+            <a:ext cx="2510986" cy="736167"/>
+          </a:xfrm>
+          <a:prstGeom prst="notchedRightArrow">
+            <a:avLst/>
+          </a:prstGeom>
+        </p:spPr>
+        <p:style>
+          <a:lnRef idx="0">
+            <a:schemeClr val="accent2"/>
+          </a:lnRef>
+          <a:fillRef idx="3">
+            <a:schemeClr val="accent2"/>
+          </a:fillRef>
+          <a:effectRef idx="3">
+            <a:schemeClr val="accent2"/>
+          </a:effectRef>
+          <a:fontRef idx="minor">
+            <a:schemeClr val="lt1"/>
+          </a:fontRef>
+        </p:style>
+        <p:txBody>
+          <a:bodyPr rtlCol="0" anchor="ctr"/>
+          <a:lstStyle/>
+          <a:p>
+            <a:pPr algn="ctr"/>
+            <a:endParaRPr lang="fr-FR"/>
+          </a:p>
+        </p:txBody>
+      </p:sp>
+      <p:pic>
+        <p:nvPicPr>
+          <p:cNvPr id="40" name="Image 39"/>
+          <p:cNvPicPr>
+            <a:picLocks noChangeAspect="1"/>
+          </p:cNvPicPr>
+          <p:nvPr/>
+        </p:nvPicPr>
+        <p:blipFill>
+          <a:blip r:embed="rId3" cstate="print">
+            <a:extLst>
+              <a:ext uri="{28A0092B-C50C-407E-A947-70E740481C1C}">
+                <a14:useLocalDpi xmlns:a14="http://schemas.microsoft.com/office/drawing/2010/main" val="0"/>
+              </a:ext>
+            </a:extLst>
+          </a:blip>
+          <a:stretch>
+            <a:fillRect/>
+          </a:stretch>
+        </p:blipFill>
+        <p:spPr>
+          <a:xfrm>
+            <a:off x="6573357" y="244578"/>
+            <a:ext cx="1034685" cy="1034685"/>
+          </a:xfrm>
+          <a:prstGeom prst="rect">
+            <a:avLst/>
+          </a:prstGeom>
+        </p:spPr>
+      </p:pic>
+      <p:sp>
+        <p:nvSpPr>
+          <p:cNvPr id="42" name="ZoneTexte 41"/>
+          <p:cNvSpPr txBox="1"/>
+          <p:nvPr/>
+        </p:nvSpPr>
+        <p:spPr>
+          <a:xfrm>
+            <a:off x="7636538" y="312070"/>
+            <a:ext cx="1990930" cy="800219"/>
+          </a:xfrm>
+          <a:prstGeom prst="rect">
+            <a:avLst/>
+          </a:prstGeom>
+          <a:noFill/>
+        </p:spPr>
+        <p:txBody>
+          <a:bodyPr wrap="none" rtlCol="0">
+            <a:spAutoFit/>
+          </a:bodyPr>
+          <a:lstStyle/>
+          <a:p>
+            <a:r>
+              <a:rPr lang="fr-FR" sz="2800" dirty="0" smtClean="0"/>
+              <a:t>Drag &amp; Drop</a:t>
+            </a:r>
+          </a:p>
+          <a:p>
+            <a:r>
+              <a:rPr lang="fr-FR" dirty="0" smtClean="0"/>
+              <a:t>(</a:t>
+            </a:r>
+            <a:r>
+              <a:rPr lang="fr-FR" dirty="0" smtClean="0"/>
+              <a:t>surfaces files)</a:t>
+            </a:r>
+            <a:endParaRPr lang="fr-FR" dirty="0" smtClean="0"/>
+          </a:p>
+        </p:txBody>
+      </p:sp>
+    </p:spTree>
+    <p:extLst>
+      <p:ext uri="{BB962C8B-B14F-4D97-AF65-F5344CB8AC3E}">
+        <p14:creationId xmlns:p14="http://schemas.microsoft.com/office/powerpoint/2010/main" val="2662240732"/>
+      </p:ext>
+    </p:extLst>
+  </p:cSld>
+  <p:clrMapOvr>
+    <a:masterClrMapping/>
+  </p:clrMapOvr>
+</p:sld>
+</file>
+
 <file path=ppt/theme/theme1.xml><?xml version="1.0" encoding="utf-8"?>
 <a:theme xmlns:a="http://schemas.openxmlformats.org/drawingml/2006/main" name="Thème Office">
   <a:themeElements>

--- a/images/03/gui.pptx
+++ b/images/03/gui.pptx
@@ -244,7 +244,7 @@
           <a:p>
             <a:fld id="{946A930F-3F55-4B23-857C-55C0D50CB367}" type="datetimeFigureOut">
               <a:rPr lang="fr-FR" smtClean="0"/>
-              <a:t>04/10/2018</a:t>
+              <a:t>23/09/2019</a:t>
             </a:fld>
             <a:endParaRPr lang="fr-FR"/>
           </a:p>
@@ -414,7 +414,7 @@
           <a:p>
             <a:fld id="{946A930F-3F55-4B23-857C-55C0D50CB367}" type="datetimeFigureOut">
               <a:rPr lang="fr-FR" smtClean="0"/>
-              <a:t>04/10/2018</a:t>
+              <a:t>23/09/2019</a:t>
             </a:fld>
             <a:endParaRPr lang="fr-FR"/>
           </a:p>
@@ -594,7 +594,7 @@
           <a:p>
             <a:fld id="{946A930F-3F55-4B23-857C-55C0D50CB367}" type="datetimeFigureOut">
               <a:rPr lang="fr-FR" smtClean="0"/>
-              <a:t>04/10/2018</a:t>
+              <a:t>23/09/2019</a:t>
             </a:fld>
             <a:endParaRPr lang="fr-FR"/>
           </a:p>
@@ -764,7 +764,7 @@
           <a:p>
             <a:fld id="{946A930F-3F55-4B23-857C-55C0D50CB367}" type="datetimeFigureOut">
               <a:rPr lang="fr-FR" smtClean="0"/>
-              <a:t>04/10/2018</a:t>
+              <a:t>23/09/2019</a:t>
             </a:fld>
             <a:endParaRPr lang="fr-FR"/>
           </a:p>
@@ -1010,7 +1010,7 @@
           <a:p>
             <a:fld id="{946A930F-3F55-4B23-857C-55C0D50CB367}" type="datetimeFigureOut">
               <a:rPr lang="fr-FR" smtClean="0"/>
-              <a:t>04/10/2018</a:t>
+              <a:t>23/09/2019</a:t>
             </a:fld>
             <a:endParaRPr lang="fr-FR"/>
           </a:p>
@@ -1242,7 +1242,7 @@
           <a:p>
             <a:fld id="{946A930F-3F55-4B23-857C-55C0D50CB367}" type="datetimeFigureOut">
               <a:rPr lang="fr-FR" smtClean="0"/>
-              <a:t>04/10/2018</a:t>
+              <a:t>23/09/2019</a:t>
             </a:fld>
             <a:endParaRPr lang="fr-FR"/>
           </a:p>
@@ -1609,7 +1609,7 @@
           <a:p>
             <a:fld id="{946A930F-3F55-4B23-857C-55C0D50CB367}" type="datetimeFigureOut">
               <a:rPr lang="fr-FR" smtClean="0"/>
-              <a:t>04/10/2018</a:t>
+              <a:t>23/09/2019</a:t>
             </a:fld>
             <a:endParaRPr lang="fr-FR"/>
           </a:p>
@@ -1727,7 +1727,7 @@
           <a:p>
             <a:fld id="{946A930F-3F55-4B23-857C-55C0D50CB367}" type="datetimeFigureOut">
               <a:rPr lang="fr-FR" smtClean="0"/>
-              <a:t>04/10/2018</a:t>
+              <a:t>23/09/2019</a:t>
             </a:fld>
             <a:endParaRPr lang="fr-FR"/>
           </a:p>
@@ -1822,7 +1822,7 @@
           <a:p>
             <a:fld id="{946A930F-3F55-4B23-857C-55C0D50CB367}" type="datetimeFigureOut">
               <a:rPr lang="fr-FR" smtClean="0"/>
-              <a:t>04/10/2018</a:t>
+              <a:t>23/09/2019</a:t>
             </a:fld>
             <a:endParaRPr lang="fr-FR"/>
           </a:p>
@@ -2099,7 +2099,7 @@
           <a:p>
             <a:fld id="{946A930F-3F55-4B23-857C-55C0D50CB367}" type="datetimeFigureOut">
               <a:rPr lang="fr-FR" smtClean="0"/>
-              <a:t>04/10/2018</a:t>
+              <a:t>23/09/2019</a:t>
             </a:fld>
             <a:endParaRPr lang="fr-FR"/>
           </a:p>
@@ -2352,7 +2352,7 @@
           <a:p>
             <a:fld id="{946A930F-3F55-4B23-857C-55C0D50CB367}" type="datetimeFigureOut">
               <a:rPr lang="fr-FR" smtClean="0"/>
-              <a:t>04/10/2018</a:t>
+              <a:t>23/09/2019</a:t>
             </a:fld>
             <a:endParaRPr lang="fr-FR"/>
           </a:p>
@@ -2565,7 +2565,7 @@
           <a:p>
             <a:fld id="{946A930F-3F55-4B23-857C-55C0D50CB367}" type="datetimeFigureOut">
               <a:rPr lang="fr-FR" smtClean="0"/>
-              <a:t>04/10/2018</a:t>
+              <a:t>23/09/2019</a:t>
             </a:fld>
             <a:endParaRPr lang="fr-FR"/>
           </a:p>
@@ -2972,7 +2972,7 @@
       </p:grpSpPr>
       <p:pic>
         <p:nvPicPr>
-          <p:cNvPr id="2" name="Image 1"/>
+          <p:cNvPr id="3" name="Image 2"/>
           <p:cNvPicPr>
             <a:picLocks noChangeAspect="1"/>
           </p:cNvPicPr>
@@ -2992,8 +2992,8 @@
         </p:blipFill>
         <p:spPr>
           <a:xfrm>
-            <a:off x="1766139" y="1118488"/>
-            <a:ext cx="7218397" cy="5302900"/>
+            <a:off x="1846253" y="1260920"/>
+            <a:ext cx="7053206" cy="5162031"/>
           </a:xfrm>
           <a:prstGeom prst="rect">
             <a:avLst/>
@@ -3220,7 +3220,7 @@
         <p:spPr>
           <a:xfrm>
             <a:off x="2115186" y="2156547"/>
-            <a:ext cx="234982" cy="3546421"/>
+            <a:ext cx="234982" cy="3759223"/>
           </a:xfrm>
           <a:prstGeom prst="rect">
             <a:avLst/>
@@ -3342,8 +3342,8 @@
         </p:nvSpPr>
         <p:spPr>
           <a:xfrm>
-            <a:off x="2872131" y="1892271"/>
-            <a:ext cx="1338922" cy="240213"/>
+            <a:off x="2872131" y="1908243"/>
+            <a:ext cx="1338922" cy="224241"/>
           </a:xfrm>
           <a:prstGeom prst="rect">
             <a:avLst/>
@@ -3474,8 +3474,8 @@
         </p:nvSpPr>
         <p:spPr>
           <a:xfrm>
-            <a:off x="4244567" y="1892271"/>
-            <a:ext cx="1583064" cy="256255"/>
+            <a:off x="4244567" y="1900292"/>
+            <a:ext cx="1671894" cy="240283"/>
           </a:xfrm>
           <a:prstGeom prst="rect">
             <a:avLst/>
@@ -3614,8 +3614,8 @@
         </p:nvSpPr>
         <p:spPr>
           <a:xfrm>
-            <a:off x="7539789" y="1884250"/>
-            <a:ext cx="1106906" cy="256255"/>
+            <a:off x="7539789" y="1908243"/>
+            <a:ext cx="1106906" cy="232262"/>
           </a:xfrm>
           <a:prstGeom prst="rect">
             <a:avLst/>
@@ -3788,7 +3788,7 @@
         <p:spPr>
           <a:xfrm>
             <a:off x="8348906" y="2152179"/>
-            <a:ext cx="234982" cy="3546421"/>
+            <a:ext cx="234982" cy="3763591"/>
           </a:xfrm>
           <a:prstGeom prst="rect">
             <a:avLst/>
@@ -3797,132 +3797,6 @@
           <a:ln w="28575">
             <a:solidFill>
               <a:srgbClr val="FFC000"/>
-            </a:solidFill>
-          </a:ln>
-        </p:spPr>
-        <p:style>
-          <a:lnRef idx="2">
-            <a:schemeClr val="accent1">
-              <a:shade val="50000"/>
-            </a:schemeClr>
-          </a:lnRef>
-          <a:fillRef idx="1">
-            <a:schemeClr val="accent1"/>
-          </a:fillRef>
-          <a:effectRef idx="0">
-            <a:schemeClr val="accent1"/>
-          </a:effectRef>
-          <a:fontRef idx="minor">
-            <a:schemeClr val="lt1"/>
-          </a:fontRef>
-        </p:style>
-        <p:txBody>
-          <a:bodyPr rtlCol="0" anchor="ctr"/>
-          <a:lstStyle/>
-          <a:p>
-            <a:pPr algn="ctr"/>
-            <a:endParaRPr lang="fr-FR"/>
-          </a:p>
-        </p:txBody>
-      </p:sp>
-      <p:sp>
-        <p:nvSpPr>
-          <p:cNvPr id="33" name="ZoneTexte 32"/>
-          <p:cNvSpPr txBox="1"/>
-          <p:nvPr/>
-        </p:nvSpPr>
-        <p:spPr>
-          <a:xfrm>
-            <a:off x="790832" y="4414790"/>
-            <a:ext cx="1060311" cy="923330"/>
-          </a:xfrm>
-          <a:prstGeom prst="rect">
-            <a:avLst/>
-          </a:prstGeom>
-          <a:noFill/>
-          <a:ln w="19050">
-            <a:solidFill>
-              <a:srgbClr val="7030A0"/>
-            </a:solidFill>
-          </a:ln>
-        </p:spPr>
-        <p:txBody>
-          <a:bodyPr wrap="square" rtlCol="0">
-            <a:spAutoFit/>
-          </a:bodyPr>
-          <a:lstStyle/>
-          <a:p>
-            <a:r>
-              <a:rPr lang="fr-FR" dirty="0" smtClean="0"/>
-              <a:t>Light direction</a:t>
-            </a:r>
-            <a:br>
-              <a:rPr lang="fr-FR" dirty="0" smtClean="0"/>
-            </a:br>
-            <a:r>
-              <a:rPr lang="fr-FR" dirty="0" err="1" smtClean="0"/>
-              <a:t>controls</a:t>
-            </a:r>
-            <a:endParaRPr lang="fr-FR" dirty="0"/>
-          </a:p>
-        </p:txBody>
-      </p:sp>
-      <p:cxnSp>
-        <p:nvCxnSpPr>
-          <p:cNvPr id="34" name="Connecteur droit avec flèche 33"/>
-          <p:cNvCxnSpPr>
-            <a:stCxn id="33" idx="2"/>
-          </p:cNvCxnSpPr>
-          <p:nvPr/>
-        </p:nvCxnSpPr>
-        <p:spPr>
-          <a:xfrm>
-            <a:off x="1320988" y="5338120"/>
-            <a:ext cx="762114" cy="451344"/>
-          </a:xfrm>
-          <a:prstGeom prst="straightConnector1">
-            <a:avLst/>
-          </a:prstGeom>
-          <a:ln w="12700">
-            <a:solidFill>
-              <a:srgbClr val="7030A0"/>
-            </a:solidFill>
-            <a:tailEnd type="triangle"/>
-          </a:ln>
-        </p:spPr>
-        <p:style>
-          <a:lnRef idx="1">
-            <a:schemeClr val="accent1"/>
-          </a:lnRef>
-          <a:fillRef idx="0">
-            <a:schemeClr val="accent1"/>
-          </a:fillRef>
-          <a:effectRef idx="0">
-            <a:schemeClr val="accent1"/>
-          </a:effectRef>
-          <a:fontRef idx="minor">
-            <a:schemeClr val="tx1"/>
-          </a:fontRef>
-        </p:style>
-      </p:cxnSp>
-      <p:sp>
-        <p:nvSpPr>
-          <p:cNvPr id="35" name="Rectangle 34"/>
-          <p:cNvSpPr/>
-          <p:nvPr/>
-        </p:nvSpPr>
-        <p:spPr>
-          <a:xfrm>
-            <a:off x="2083102" y="5706621"/>
-            <a:ext cx="1085214" cy="256255"/>
-          </a:xfrm>
-          <a:prstGeom prst="rect">
-            <a:avLst/>
-          </a:prstGeom>
-          <a:noFill/>
-          <a:ln w="28575">
-            <a:solidFill>
-              <a:srgbClr val="7030A0"/>
             </a:solidFill>
           </a:ln>
         </p:spPr>
@@ -4286,13 +4160,8 @@
           <a:p>
             <a:r>
               <a:rPr lang="fr-FR" dirty="0" smtClean="0"/>
-              <a:t>(</a:t>
-            </a:r>
-            <a:r>
-              <a:rPr lang="fr-FR" dirty="0" smtClean="0"/>
-              <a:t>surfaces files)</a:t>
-            </a:r>
-            <a:endParaRPr lang="fr-FR" dirty="0" smtClean="0"/>
+              <a:t>(surfaces files)</a:t>
+            </a:r>
           </a:p>
         </p:txBody>
       </p:sp>
